--- a/FB Classification Presentation.pptx
+++ b/FB Classification Presentation.pptx
@@ -5,23 +5,22 @@
     <p:sldMasterId id="2147483648" r:id="rId1"/>
   </p:sldMasterIdLst>
   <p:notesMasterIdLst>
-    <p:notesMasterId r:id="rId13"/>
+    <p:notesMasterId r:id="rId12"/>
   </p:notesMasterIdLst>
   <p:handoutMasterIdLst>
-    <p:handoutMasterId r:id="rId14"/>
+    <p:handoutMasterId r:id="rId13"/>
   </p:handoutMasterIdLst>
   <p:sldIdLst>
     <p:sldId id="259" r:id="rId2"/>
     <p:sldId id="261" r:id="rId3"/>
     <p:sldId id="281" r:id="rId4"/>
-    <p:sldId id="282" r:id="rId5"/>
-    <p:sldId id="290" r:id="rId6"/>
-    <p:sldId id="283" r:id="rId7"/>
-    <p:sldId id="262" r:id="rId8"/>
-    <p:sldId id="289" r:id="rId9"/>
-    <p:sldId id="287" r:id="rId10"/>
-    <p:sldId id="291" r:id="rId11"/>
-    <p:sldId id="286" r:id="rId12"/>
+    <p:sldId id="290" r:id="rId5"/>
+    <p:sldId id="283" r:id="rId6"/>
+    <p:sldId id="262" r:id="rId7"/>
+    <p:sldId id="289" r:id="rId8"/>
+    <p:sldId id="287" r:id="rId9"/>
+    <p:sldId id="291" r:id="rId10"/>
+    <p:sldId id="286" r:id="rId11"/>
   </p:sldIdLst>
   <p:sldSz cx="9144000" cy="6858000" type="screen4x3"/>
   <p:notesSz cx="6858000" cy="9144000"/>
@@ -132,7 +131,6 @@
           <p14:sldIdLst>
             <p14:sldId id="261"/>
             <p14:sldId id="281"/>
-            <p14:sldId id="282"/>
             <p14:sldId id="290"/>
             <p14:sldId id="283"/>
             <p14:sldId id="262"/>
@@ -246,7 +244,7 @@
             <a:fld id="{D83FDC75-7F73-4A4A-A77C-09AADF00E0EA}" type="datetimeFigureOut">
               <a:rPr lang="en-US" smtClean="0"/>
               <a:pPr/>
-              <a:t>5/9/20</a:t>
+              <a:t>5/12/20</a:t>
             </a:fld>
             <a:endParaRPr lang="en-US" dirty="0"/>
           </a:p>
@@ -413,7 +411,7 @@
             <a:fld id="{48AEF76B-3757-4A0B-AF93-28494465C1DD}" type="datetimeFigureOut">
               <a:rPr lang="en-US" smtClean="0"/>
               <a:pPr/>
-              <a:t>5/9/20</a:t>
+              <a:t>5/12/20</a:t>
             </a:fld>
             <a:endParaRPr lang="en-US" dirty="0"/>
           </a:p>
@@ -1031,109 +1029,6 @@
 </p:notes>
 </file>
 
-<file path=ppt/notesSlides/notesSlide10.xml><?xml version="1.0" encoding="utf-8"?>
-<p:notes xmlns:a="http://schemas.openxmlformats.org/drawingml/2006/main" xmlns:r="http://schemas.openxmlformats.org/officeDocument/2006/relationships" xmlns:p="http://schemas.openxmlformats.org/presentationml/2006/main">
-  <p:cSld>
-    <p:spTree>
-      <p:nvGrpSpPr>
-        <p:cNvPr id="1" name=""/>
-        <p:cNvGrpSpPr/>
-        <p:nvPr/>
-      </p:nvGrpSpPr>
-      <p:grpSpPr>
-        <a:xfrm>
-          <a:off x="0" y="0"/>
-          <a:ext cx="0" cy="0"/>
-          <a:chOff x="0" y="0"/>
-          <a:chExt cx="0" cy="0"/>
-        </a:xfrm>
-      </p:grpSpPr>
-      <p:sp>
-        <p:nvSpPr>
-          <p:cNvPr id="2" name="Slide Image Placeholder 1"/>
-          <p:cNvSpPr>
-            <a:spLocks noGrp="1" noRot="1" noChangeAspect="1"/>
-          </p:cNvSpPr>
-          <p:nvPr>
-            <p:ph type="sldImg"/>
-          </p:nvPr>
-        </p:nvSpPr>
-        <p:spPr/>
-      </p:sp>
-      <p:sp>
-        <p:nvSpPr>
-          <p:cNvPr id="3" name="Notes Placeholder 2"/>
-          <p:cNvSpPr>
-            <a:spLocks noGrp="1"/>
-          </p:cNvSpPr>
-          <p:nvPr>
-            <p:ph type="body" idx="1"/>
-          </p:nvPr>
-        </p:nvSpPr>
-        <p:spPr/>
-        <p:txBody>
-          <a:bodyPr/>
-          <a:lstStyle/>
-          <a:p>
-            <a:pPr marL="0" marR="0" indent="0" algn="l" defTabSz="914400" rtl="0" eaLnBrk="1" fontAlgn="auto" latinLnBrk="0" hangingPunct="1">
-              <a:lnSpc>
-                <a:spcPct val="100000"/>
-              </a:lnSpc>
-              <a:spcBef>
-                <a:spcPts val="0"/>
-              </a:spcBef>
-              <a:spcAft>
-                <a:spcPts val="0"/>
-              </a:spcAft>
-              <a:buClrTx/>
-              <a:buSzTx/>
-              <a:buFontTx/>
-              <a:buNone/>
-              <a:tabLst/>
-              <a:defRPr/>
-            </a:pPr>
-            <a:r>
-              <a:rPr lang="en-US" dirty="0" smtClean="0"/>
-              <a:t>Use a section header for each of the topics, so there is a clear transition to the audience. </a:t>
-            </a:r>
-          </a:p>
-          <a:p>
-            <a:endParaRPr lang="en-US" dirty="0"/>
-          </a:p>
-        </p:txBody>
-      </p:sp>
-      <p:sp>
-        <p:nvSpPr>
-          <p:cNvPr id="4" name="Slide Number Placeholder 3"/>
-          <p:cNvSpPr>
-            <a:spLocks noGrp="1"/>
-          </p:cNvSpPr>
-          <p:nvPr>
-            <p:ph type="sldNum" sz="quarter" idx="10"/>
-          </p:nvPr>
-        </p:nvSpPr>
-        <p:spPr/>
-        <p:txBody>
-          <a:bodyPr/>
-          <a:lstStyle/>
-          <a:p>
-            <a:fld id="{75693FD4-8F83-4EF7-AC3F-0DC0388986B0}" type="slidenum">
-              <a:rPr lang="en-US" smtClean="0"/>
-              <a:pPr/>
-              <a:t>11</a:t>
-            </a:fld>
-            <a:endParaRPr lang="en-US" dirty="0"/>
-          </a:p>
-        </p:txBody>
-      </p:sp>
-    </p:spTree>
-  </p:cSld>
-  <p:clrMapOvr>
-    <a:masterClrMapping/>
-  </p:clrMapOvr>
-</p:notes>
-</file>
-
 <file path=ppt/notesSlides/notesSlide2.xml><?xml version="1.0" encoding="utf-8"?>
 <p:notes xmlns:a="http://schemas.openxmlformats.org/drawingml/2006/main" xmlns:r="http://schemas.openxmlformats.org/officeDocument/2006/relationships" xmlns:p="http://schemas.openxmlformats.org/presentationml/2006/main">
   <p:cSld>
@@ -1545,7 +1440,46 @@
       </p:grpSpPr>
       <p:sp>
         <p:nvSpPr>
-          <p:cNvPr id="2" name="Slide Image Placeholder 1"/>
+          <p:cNvPr id="3" name="Notes Placeholder 2"/>
+          <p:cNvSpPr>
+            <a:spLocks noGrp="1"/>
+          </p:cNvSpPr>
+          <p:nvPr>
+            <p:ph type="body" idx="1"/>
+          </p:nvPr>
+        </p:nvSpPr>
+        <p:spPr/>
+        <p:txBody>
+          <a:bodyPr numCol="2" spcCol="182880">
+            <a:noAutofit/>
+          </a:bodyPr>
+          <a:lstStyle/>
+          <a:p>
+            <a:r>
+              <a:rPr lang="en-US" sz="1200" u="none" kern="1200" dirty="0" smtClean="0">
+                <a:solidFill>
+                  <a:schemeClr val="tx1"/>
+                </a:solidFill>
+                <a:effectLst/>
+                <a:latin typeface="+mn-lt"/>
+                <a:ea typeface="+mn-ea"/>
+                <a:cs typeface="+mn-cs"/>
+              </a:rPr>
+              <a:t>This is another option for an overview slide. </a:t>
+            </a:r>
+          </a:p>
+          <a:p>
+            <a:pPr marL="228600" indent="-228600">
+              <a:buFont typeface="+mj-lt"/>
+              <a:buNone/>
+            </a:pPr>
+            <a:endParaRPr lang="en-US" sz="1200" dirty="0"/>
+          </a:p>
+        </p:txBody>
+      </p:sp>
+      <p:sp>
+        <p:nvSpPr>
+          <p:cNvPr id="5" name="Slide Image Placeholder 4"/>
           <p:cNvSpPr>
             <a:spLocks noGrp="1" noRot="1" noChangeAspect="1"/>
           </p:cNvSpPr>
@@ -1553,50 +1487,12 @@
             <p:ph type="sldImg"/>
           </p:nvPr>
         </p:nvSpPr>
-        <p:spPr/>
-      </p:sp>
-      <p:sp>
-        <p:nvSpPr>
-          <p:cNvPr id="3" name="Notes Placeholder 2"/>
-          <p:cNvSpPr>
-            <a:spLocks noGrp="1"/>
-          </p:cNvSpPr>
-          <p:nvPr>
-            <p:ph type="body" idx="1"/>
-          </p:nvPr>
-        </p:nvSpPr>
-        <p:spPr/>
-        <p:txBody>
-          <a:bodyPr/>
-          <a:lstStyle/>
-          <a:p>
-            <a:endParaRPr lang="en-US"/>
-          </a:p>
-        </p:txBody>
-      </p:sp>
-      <p:sp>
-        <p:nvSpPr>
-          <p:cNvPr id="4" name="Slide Number Placeholder 3"/>
-          <p:cNvSpPr>
-            <a:spLocks noGrp="1"/>
-          </p:cNvSpPr>
-          <p:nvPr>
-            <p:ph type="sldNum" sz="quarter" idx="10"/>
-          </p:nvPr>
-        </p:nvSpPr>
-        <p:spPr/>
-        <p:txBody>
-          <a:bodyPr/>
-          <a:lstStyle/>
-          <a:p>
-            <a:fld id="{75693FD4-8F83-4EF7-AC3F-0DC0388986B0}" type="slidenum">
-              <a:rPr lang="en-US" smtClean="0"/>
-              <a:pPr/>
-              <a:t>6</a:t>
-            </a:fld>
-            <a:endParaRPr lang="en-US"/>
-          </a:p>
-        </p:txBody>
+        <p:spPr>
+          <a:xfrm>
+            <a:off x="539750" y="503238"/>
+            <a:ext cx="3143250" cy="2359025"/>
+          </a:xfrm>
+        </p:spPr>
       </p:sp>
     </p:spTree>
   </p:cSld>
@@ -1625,6 +1521,18 @@
       </p:grpSpPr>
       <p:sp>
         <p:nvSpPr>
+          <p:cNvPr id="2" name="Slide Image Placeholder 1"/>
+          <p:cNvSpPr>
+            <a:spLocks noGrp="1" noRot="1" noChangeAspect="1"/>
+          </p:cNvSpPr>
+          <p:nvPr>
+            <p:ph type="sldImg"/>
+          </p:nvPr>
+        </p:nvSpPr>
+        <p:spPr/>
+      </p:sp>
+      <p:sp>
+        <p:nvSpPr>
           <p:cNvPr id="3" name="Notes Placeholder 2"/>
           <p:cNvSpPr>
             <a:spLocks noGrp="1"/>
@@ -1635,13 +1543,42 @@
         </p:nvSpPr>
         <p:spPr/>
         <p:txBody>
-          <a:bodyPr numCol="2" spcCol="182880">
-            <a:noAutofit/>
+          <a:bodyPr>
+            <a:normAutofit lnSpcReduction="10000"/>
           </a:bodyPr>
           <a:lstStyle/>
           <a:p>
-            <a:r>
-              <a:rPr lang="en-US" sz="1200" u="none" kern="1200" dirty="0" smtClean="0">
+            <a:pPr marL="0" marR="0" indent="0" algn="l" defTabSz="914400" rtl="0" eaLnBrk="1" fontAlgn="auto" latinLnBrk="0" hangingPunct="1">
+              <a:lnSpc>
+                <a:spcPct val="100000"/>
+              </a:lnSpc>
+              <a:spcBef>
+                <a:spcPts val="0"/>
+              </a:spcBef>
+              <a:spcAft>
+                <a:spcPts val="0"/>
+              </a:spcAft>
+              <a:buClrTx/>
+              <a:buSzTx/>
+              <a:buFontTx/>
+              <a:buNone/>
+              <a:tabLst/>
+              <a:defRPr/>
+            </a:pPr>
+            <a:r>
+              <a:rPr lang="en-US" b="0" dirty="0" smtClean="0"/>
+              <a:t>What</a:t>
+            </a:r>
+            <a:r>
+              <a:rPr lang="en-US" b="0" baseline="0" dirty="0" smtClean="0"/>
+              <a:t> will the audience be able to do after this training is complete?</a:t>
+            </a:r>
+            <a:r>
+              <a:rPr lang="en-US" dirty="0" smtClean="0"/>
+              <a:t> </a:t>
+            </a:r>
+            <a:r>
+              <a:rPr lang="en-US" sz="1200" kern="1200" dirty="0" smtClean="0">
                 <a:solidFill>
                   <a:schemeClr val="tx1"/>
                 </a:solidFill>
@@ -1650,34 +1587,35 @@
                 <a:ea typeface="+mn-ea"/>
                 <a:cs typeface="+mn-cs"/>
               </a:rPr>
-              <a:t>This is another option for an overview slide. </a:t>
-            </a:r>
-          </a:p>
-          <a:p>
-            <a:pPr marL="228600" indent="-228600">
-              <a:buFont typeface="+mj-lt"/>
-              <a:buNone/>
-            </a:pPr>
-            <a:endParaRPr lang="en-US" sz="1200" dirty="0"/>
-          </a:p>
-        </p:txBody>
-      </p:sp>
-      <p:sp>
-        <p:nvSpPr>
-          <p:cNvPr id="5" name="Slide Image Placeholder 4"/>
-          <p:cNvSpPr>
-            <a:spLocks noGrp="1" noRot="1" noChangeAspect="1"/>
-          </p:cNvSpPr>
-          <p:nvPr>
-            <p:ph type="sldImg"/>
-          </p:nvPr>
-        </p:nvSpPr>
-        <p:spPr>
-          <a:xfrm>
-            <a:off x="539750" y="503238"/>
-            <a:ext cx="3143250" cy="2359025"/>
-          </a:xfrm>
-        </p:spPr>
+              <a:t>Briefly describe each objective and how the audience will benefit from this presentation.</a:t>
+            </a:r>
+            <a:endParaRPr lang="en-US" dirty="0" smtClean="0"/>
+          </a:p>
+        </p:txBody>
+      </p:sp>
+      <p:sp>
+        <p:nvSpPr>
+          <p:cNvPr id="4" name="Slide Number Placeholder 3"/>
+          <p:cNvSpPr>
+            <a:spLocks noGrp="1"/>
+          </p:cNvSpPr>
+          <p:nvPr>
+            <p:ph type="sldNum" sz="quarter" idx="10"/>
+          </p:nvPr>
+        </p:nvSpPr>
+        <p:spPr/>
+        <p:txBody>
+          <a:bodyPr/>
+          <a:lstStyle/>
+          <a:p>
+            <a:fld id="{EC6EAC7D-5A89-47C2-8ABA-56C9C2DEF7A4}" type="slidenum">
+              <a:rPr lang="en-US" smtClean="0"/>
+              <a:pPr/>
+              <a:t>8</a:t>
+            </a:fld>
+            <a:endParaRPr lang="en-US"/>
+          </a:p>
+        </p:txBody>
       </p:sp>
     </p:spTree>
   </p:cSld>
@@ -1851,9 +1789,7 @@
         </p:nvSpPr>
         <p:spPr/>
         <p:txBody>
-          <a:bodyPr>
-            <a:normAutofit lnSpcReduction="10000"/>
-          </a:bodyPr>
+          <a:bodyPr/>
           <a:lstStyle/>
           <a:p>
             <a:pPr marL="0" marR="0" indent="0" algn="l" defTabSz="914400" rtl="0" eaLnBrk="1" fontAlgn="auto" latinLnBrk="0" hangingPunct="1">
@@ -1874,30 +1810,12 @@
               <a:defRPr/>
             </a:pPr>
             <a:r>
-              <a:rPr lang="en-US" b="0" dirty="0" smtClean="0"/>
-              <a:t>What</a:t>
-            </a:r>
-            <a:r>
-              <a:rPr lang="en-US" b="0" baseline="0" dirty="0" smtClean="0"/>
-              <a:t> will the audience be able to do after this training is complete?</a:t>
-            </a:r>
-            <a:r>
               <a:rPr lang="en-US" dirty="0" smtClean="0"/>
-              <a:t> </a:t>
-            </a:r>
-            <a:r>
-              <a:rPr lang="en-US" sz="1200" kern="1200" dirty="0" smtClean="0">
-                <a:solidFill>
-                  <a:schemeClr val="tx1"/>
-                </a:solidFill>
-                <a:effectLst/>
-                <a:latin typeface="+mn-lt"/>
-                <a:ea typeface="+mn-ea"/>
-                <a:cs typeface="+mn-cs"/>
-              </a:rPr>
-              <a:t>Briefly describe each objective and how the audience will benefit from this presentation.</a:t>
-            </a:r>
-            <a:endParaRPr lang="en-US" dirty="0" smtClean="0"/>
+              <a:t>Use a section header for each of the topics, so there is a clear transition to the audience. </a:t>
+            </a:r>
+          </a:p>
+          <a:p>
+            <a:endParaRPr lang="en-US" dirty="0"/>
           </a:p>
         </p:txBody>
       </p:sp>
@@ -1916,12 +1834,12 @@
           <a:bodyPr/>
           <a:lstStyle/>
           <a:p>
-            <a:fld id="{EC6EAC7D-5A89-47C2-8ABA-56C9C2DEF7A4}" type="slidenum">
+            <a:fld id="{75693FD4-8F83-4EF7-AC3F-0DC0388986B0}" type="slidenum">
               <a:rPr lang="en-US" smtClean="0"/>
               <a:pPr/>
               <a:t>10</a:t>
             </a:fld>
-            <a:endParaRPr lang="en-US"/>
+            <a:endParaRPr lang="en-US" dirty="0"/>
           </a:p>
         </p:txBody>
       </p:sp>
@@ -2401,7 +2319,7 @@
             <a:fld id="{757B281C-5159-4971-8228-52B9A72E9ED2}" type="datetimeFigureOut">
               <a:rPr lang="en-US" smtClean="0"/>
               <a:pPr/>
-              <a:t>5/9/20</a:t>
+              <a:t>5/12/20</a:t>
             </a:fld>
             <a:endParaRPr lang="en-US" dirty="0"/>
           </a:p>
@@ -2503,7 +2421,7 @@
             <a:fld id="{757B281C-5159-4971-8228-52B9A72E9ED2}" type="datetimeFigureOut">
               <a:rPr lang="en-US" smtClean="0"/>
               <a:pPr/>
-              <a:t>5/9/20</a:t>
+              <a:t>5/12/20</a:t>
             </a:fld>
             <a:endParaRPr lang="en-US" dirty="0"/>
           </a:p>
@@ -2639,7 +2557,7 @@
             <a:fld id="{757B281C-5159-4971-8228-52B9A72E9ED2}" type="datetimeFigureOut">
               <a:rPr lang="en-US" smtClean="0"/>
               <a:pPr/>
-              <a:t>5/9/20</a:t>
+              <a:t>5/12/20</a:t>
             </a:fld>
             <a:endParaRPr lang="en-US" dirty="0"/>
           </a:p>
@@ -2845,7 +2763,7 @@
             <a:fld id="{757B281C-5159-4971-8228-52B9A72E9ED2}" type="datetimeFigureOut">
               <a:rPr lang="en-US" smtClean="0"/>
               <a:pPr/>
-              <a:t>5/9/20</a:t>
+              <a:t>5/12/20</a:t>
             </a:fld>
             <a:endParaRPr lang="en-US" dirty="0"/>
           </a:p>
@@ -3244,7 +3162,7 @@
             <a:fld id="{757B281C-5159-4971-8228-52B9A72E9ED2}" type="datetimeFigureOut">
               <a:rPr lang="en-US" smtClean="0"/>
               <a:pPr/>
-              <a:t>5/9/20</a:t>
+              <a:t>5/12/20</a:t>
             </a:fld>
             <a:endParaRPr lang="en-US" dirty="0"/>
           </a:p>
@@ -3544,7 +3462,7 @@
             <a:fld id="{757B281C-5159-4971-8228-52B9A72E9ED2}" type="datetimeFigureOut">
               <a:rPr lang="en-US" smtClean="0"/>
               <a:pPr/>
-              <a:t>5/9/20</a:t>
+              <a:t>5/12/20</a:t>
             </a:fld>
             <a:endParaRPr lang="en-US" dirty="0"/>
           </a:p>
@@ -3973,7 +3891,7 @@
             <a:fld id="{757B281C-5159-4971-8228-52B9A72E9ED2}" type="datetimeFigureOut">
               <a:rPr lang="en-US" smtClean="0"/>
               <a:pPr/>
-              <a:t>5/9/20</a:t>
+              <a:t>5/12/20</a:t>
             </a:fld>
             <a:endParaRPr lang="en-US" dirty="0"/>
           </a:p>
@@ -4250,7 +4168,7 @@
             <a:fld id="{757B281C-5159-4971-8228-52B9A72E9ED2}" type="datetimeFigureOut">
               <a:rPr lang="en-US" smtClean="0"/>
               <a:pPr/>
-              <a:t>5/9/20</a:t>
+              <a:t>5/12/20</a:t>
             </a:fld>
             <a:endParaRPr lang="en-US" dirty="0"/>
           </a:p>
@@ -4514,7 +4432,7 @@
             <a:fld id="{757B281C-5159-4971-8228-52B9A72E9ED2}" type="datetimeFigureOut">
               <a:rPr lang="en-US" smtClean="0"/>
               <a:pPr/>
-              <a:t>5/9/20</a:t>
+              <a:t>5/12/20</a:t>
             </a:fld>
             <a:endParaRPr lang="en-US" dirty="0"/>
           </a:p>
@@ -4684,7 +4602,7 @@
             <a:fld id="{757B281C-5159-4971-8228-52B9A72E9ED2}" type="datetimeFigureOut">
               <a:rPr lang="en-US" smtClean="0"/>
               <a:pPr/>
-              <a:t>5/9/20</a:t>
+              <a:t>5/12/20</a:t>
             </a:fld>
             <a:endParaRPr lang="en-US" dirty="0"/>
           </a:p>
@@ -4864,7 +4782,7 @@
             <a:fld id="{757B281C-5159-4971-8228-52B9A72E9ED2}" type="datetimeFigureOut">
               <a:rPr lang="en-US" smtClean="0"/>
               <a:pPr/>
-              <a:t>5/9/20</a:t>
+              <a:t>5/12/20</a:t>
             </a:fld>
             <a:endParaRPr lang="en-US" dirty="0"/>
           </a:p>
@@ -5106,7 +5024,7 @@
             <a:fld id="{757B281C-5159-4971-8228-52B9A72E9ED2}" type="datetimeFigureOut">
               <a:rPr lang="en-US" smtClean="0"/>
               <a:pPr/>
-              <a:t>5/9/20</a:t>
+              <a:t>5/12/20</a:t>
             </a:fld>
             <a:endParaRPr lang="en-US" dirty="0"/>
           </a:p>
@@ -5578,19 +5496,7 @@
               <a:rPr lang="en-US" sz="2400" dirty="0" smtClean="0">
                 <a:latin typeface="+mn-lt"/>
               </a:rPr>
-              <a:t>May </a:t>
-            </a:r>
-            <a:r>
-              <a:rPr lang="en-US" sz="2400" dirty="0" smtClean="0">
-                <a:latin typeface="+mn-lt"/>
-              </a:rPr>
-              <a:t>12, </a:t>
-            </a:r>
-            <a:r>
-              <a:rPr lang="en-US" sz="2400" dirty="0" smtClean="0">
-                <a:latin typeface="+mn-lt"/>
-              </a:rPr>
-              <a:t>2020</a:t>
+              <a:t>May 12, 2020</a:t>
             </a:r>
             <a:endParaRPr lang="en-US" sz="2400" dirty="0">
               <a:latin typeface="+mn-lt"/>
@@ -5620,142 +5526,6 @@
 </file>
 
 <file path=ppt/slides/slide10.xml><?xml version="1.0" encoding="utf-8"?>
-<p:sld xmlns:a="http://schemas.openxmlformats.org/drawingml/2006/main" xmlns:r="http://schemas.openxmlformats.org/officeDocument/2006/relationships" xmlns:p="http://schemas.openxmlformats.org/presentationml/2006/main">
-  <p:cSld>
-    <p:spTree>
-      <p:nvGrpSpPr>
-        <p:cNvPr id="1" name=""/>
-        <p:cNvGrpSpPr/>
-        <p:nvPr/>
-      </p:nvGrpSpPr>
-      <p:grpSpPr>
-        <a:xfrm>
-          <a:off x="0" y="0"/>
-          <a:ext cx="0" cy="0"/>
-          <a:chOff x="0" y="0"/>
-          <a:chExt cx="0" cy="0"/>
-        </a:xfrm>
-      </p:grpSpPr>
-      <p:sp>
-        <p:nvSpPr>
-          <p:cNvPr id="6" name="TextBox 5"/>
-          <p:cNvSpPr txBox="1"/>
-          <p:nvPr/>
-        </p:nvSpPr>
-        <p:spPr>
-          <a:xfrm>
-            <a:off x="2743200" y="762000"/>
-            <a:ext cx="3767015" cy="707886"/>
-          </a:xfrm>
-          <a:prstGeom prst="rect">
-            <a:avLst/>
-          </a:prstGeom>
-          <a:noFill/>
-        </p:spPr>
-        <p:txBody>
-          <a:bodyPr wrap="square" rtlCol="0">
-            <a:spAutoFit/>
-          </a:bodyPr>
-          <a:lstStyle/>
-          <a:p>
-            <a:r>
-              <a:rPr lang="en-US" sz="4000" dirty="0" smtClean="0"/>
-              <a:t>Future Work</a:t>
-            </a:r>
-            <a:endParaRPr lang="en-US" sz="4000" dirty="0"/>
-          </a:p>
-        </p:txBody>
-      </p:sp>
-      <p:sp>
-        <p:nvSpPr>
-          <p:cNvPr id="7" name="TextBox 6"/>
-          <p:cNvSpPr txBox="1"/>
-          <p:nvPr/>
-        </p:nvSpPr>
-        <p:spPr>
-          <a:xfrm>
-            <a:off x="1447800" y="2133600"/>
-            <a:ext cx="6477000" cy="4062651"/>
-          </a:xfrm>
-          <a:prstGeom prst="rect">
-            <a:avLst/>
-          </a:prstGeom>
-          <a:noFill/>
-        </p:spPr>
-        <p:txBody>
-          <a:bodyPr wrap="square" rtlCol="0">
-            <a:spAutoFit/>
-          </a:bodyPr>
-          <a:lstStyle/>
-          <a:p>
-            <a:pPr marL="742950" indent="-742950">
-              <a:buFont typeface="+mj-lt"/>
-              <a:buAutoNum type="arabicPeriod"/>
-            </a:pPr>
-            <a:r>
-              <a:rPr lang="en-US" sz="4000" dirty="0" smtClean="0"/>
-              <a:t>Work with larger data sets.</a:t>
-            </a:r>
-          </a:p>
-          <a:p>
-            <a:pPr marL="742950" indent="-742950">
-              <a:buFont typeface="+mj-lt"/>
-              <a:buAutoNum type="arabicPeriod"/>
-            </a:pPr>
-            <a:r>
-              <a:rPr lang="en-US" sz="4000" dirty="0" smtClean="0"/>
-              <a:t>Look at trends across seasonal time periods.</a:t>
-            </a:r>
-          </a:p>
-          <a:p>
-            <a:pPr marL="742950" indent="-742950">
-              <a:buFont typeface="+mj-lt"/>
-              <a:buAutoNum type="arabicPeriod"/>
-            </a:pPr>
-            <a:r>
-              <a:rPr lang="en-US" sz="4000" dirty="0" smtClean="0"/>
-              <a:t>Translate Interest Codes</a:t>
-            </a:r>
-          </a:p>
-          <a:p>
-            <a:pPr marL="742950" indent="-742950">
-              <a:buFont typeface="+mj-lt"/>
-              <a:buAutoNum type="arabicPeriod"/>
-            </a:pPr>
-            <a:endParaRPr lang="en-US" sz="4000" dirty="0" smtClean="0"/>
-          </a:p>
-          <a:p>
-            <a:endParaRPr lang="en-US" dirty="0"/>
-          </a:p>
-        </p:txBody>
-      </p:sp>
-    </p:spTree>
-    <p:custDataLst>
-      <p:tags r:id="rId1"/>
-    </p:custDataLst>
-    <p:extLst>
-      <p:ext uri="{BB962C8B-B14F-4D97-AF65-F5344CB8AC3E}">
-        <p14:creationId xmlns:p14="http://schemas.microsoft.com/office/powerpoint/2010/main" val="2038665253"/>
-      </p:ext>
-    </p:extLst>
-  </p:cSld>
-  <p:clrMapOvr>
-    <a:masterClrMapping/>
-  </p:clrMapOvr>
-  <p:transition xmlns:p14="http://schemas.microsoft.com/office/powerpoint/2010/main" spd="slow">
-    <p:wipe dir="d"/>
-  </p:transition>
-  <p:timing>
-    <p:tnLst>
-      <p:par>
-        <p:cTn xmlns:p14="http://schemas.microsoft.com/office/powerpoint/2010/main" id="1" dur="indefinite" restart="never" nodeType="tmRoot"/>
-      </p:par>
-    </p:tnLst>
-  </p:timing>
-</p:sld>
-</file>
-
-<file path=ppt/slides/slide11.xml><?xml version="1.0" encoding="utf-8"?>
 <p:sld xmlns:a="http://schemas.openxmlformats.org/drawingml/2006/main" xmlns:r="http://schemas.openxmlformats.org/officeDocument/2006/relationships" xmlns:p="http://schemas.openxmlformats.org/presentationml/2006/main">
   <p:cSld>
     <p:spTree>
@@ -5903,15 +5673,7 @@
           <a:p>
             <a:r>
               <a:rPr lang="en-US" dirty="0" smtClean="0"/>
-              <a:t>Do you want to know what are the most important </a:t>
-            </a:r>
-            <a:r>
-              <a:rPr lang="en-US" dirty="0" smtClean="0"/>
-              <a:t>variables for </a:t>
-            </a:r>
-            <a:r>
-              <a:rPr lang="en-US" dirty="0" smtClean="0"/>
-              <a:t>converting Facebook members to buying customers?</a:t>
+              <a:t>Do you want to know what are the most important variables for converting Facebook members to buying customers?</a:t>
             </a:r>
             <a:endParaRPr lang="en-US" dirty="0"/>
           </a:p>
@@ -6082,131 +5844,6 @@
       </p:pic>
       <p:sp>
         <p:nvSpPr>
-          <p:cNvPr id="4" name="TextBox 3"/>
-          <p:cNvSpPr txBox="1"/>
-          <p:nvPr/>
-        </p:nvSpPr>
-        <p:spPr>
-          <a:xfrm>
-            <a:off x="2895600" y="457200"/>
-            <a:ext cx="6248400" cy="2862322"/>
-          </a:xfrm>
-          <a:prstGeom prst="rect">
-            <a:avLst/>
-          </a:prstGeom>
-          <a:noFill/>
-        </p:spPr>
-        <p:txBody>
-          <a:bodyPr wrap="square" rtlCol="0">
-            <a:spAutoFit/>
-          </a:bodyPr>
-          <a:lstStyle/>
-          <a:p>
-            <a:r>
-              <a:rPr lang="en-US" sz="3600" dirty="0" smtClean="0"/>
-              <a:t>In this study of over 1000 Facebook members, 11 targeting variables were identified as influencing purchasing behavior.</a:t>
-            </a:r>
-            <a:endParaRPr lang="en-US" sz="3600" dirty="0"/>
-          </a:p>
-        </p:txBody>
-      </p:sp>
-      <p:sp>
-        <p:nvSpPr>
-          <p:cNvPr id="5" name="TextBox 4"/>
-          <p:cNvSpPr txBox="1"/>
-          <p:nvPr/>
-        </p:nvSpPr>
-        <p:spPr>
-          <a:xfrm>
-            <a:off x="1295401" y="4114800"/>
-            <a:ext cx="7620000" cy="1754327"/>
-          </a:xfrm>
-          <a:prstGeom prst="rect">
-            <a:avLst/>
-          </a:prstGeom>
-          <a:noFill/>
-        </p:spPr>
-        <p:txBody>
-          <a:bodyPr wrap="square" rtlCol="0">
-            <a:spAutoFit/>
-          </a:bodyPr>
-          <a:lstStyle/>
-          <a:p>
-            <a:r>
-              <a:rPr lang="en-US" sz="3600" dirty="0" smtClean="0"/>
-              <a:t>Some examples include: Dollars spent on ads, age and gender of customer, and interests expressed by FB member.</a:t>
-            </a:r>
-            <a:endParaRPr lang="en-US" sz="3600" dirty="0"/>
-          </a:p>
-        </p:txBody>
-      </p:sp>
-    </p:spTree>
-  </p:cSld>
-  <p:clrMapOvr>
-    <a:masterClrMapping/>
-  </p:clrMapOvr>
-  <p:transition xmlns:p14="http://schemas.microsoft.com/office/powerpoint/2010/main" spd="slow">
-    <p:push/>
-  </p:transition>
-  <p:timing>
-    <p:tnLst>
-      <p:par>
-        <p:cTn xmlns:p14="http://schemas.microsoft.com/office/powerpoint/2010/main" id="1" dur="indefinite" restart="never" nodeType="tmRoot"/>
-      </p:par>
-    </p:tnLst>
-  </p:timing>
-</p:sld>
-</file>
-
-<file path=ppt/slides/slide5.xml><?xml version="1.0" encoding="utf-8"?>
-<p:sld xmlns:a="http://schemas.openxmlformats.org/drawingml/2006/main" xmlns:r="http://schemas.openxmlformats.org/officeDocument/2006/relationships" xmlns:p="http://schemas.openxmlformats.org/presentationml/2006/main">
-  <p:cSld>
-    <p:spTree>
-      <p:nvGrpSpPr>
-        <p:cNvPr id="1" name=""/>
-        <p:cNvGrpSpPr/>
-        <p:nvPr/>
-      </p:nvGrpSpPr>
-      <p:grpSpPr>
-        <a:xfrm>
-          <a:off x="0" y="0"/>
-          <a:ext cx="0" cy="0"/>
-          <a:chOff x="0" y="0"/>
-          <a:chExt cx="0" cy="0"/>
-        </a:xfrm>
-      </p:grpSpPr>
-      <p:pic>
-        <p:nvPicPr>
-          <p:cNvPr id="9" name="Picture 8"/>
-          <p:cNvPicPr>
-            <a:picLocks noChangeAspect="1"/>
-          </p:cNvPicPr>
-          <p:nvPr/>
-        </p:nvPicPr>
-        <p:blipFill>
-          <a:blip r:embed="rId3" cstate="email">
-            <a:extLst>
-              <a:ext uri="{28A0092B-C50C-407E-A947-70E740481C1C}">
-                <a14:useLocalDpi xmlns:a14="http://schemas.microsoft.com/office/drawing/2010/main"/>
-              </a:ext>
-            </a:extLst>
-          </a:blip>
-          <a:stretch>
-            <a:fillRect/>
-          </a:stretch>
-        </p:blipFill>
-        <p:spPr>
-          <a:xfrm>
-            <a:off x="-4953000" y="0"/>
-            <a:ext cx="7765662" cy="16476125"/>
-          </a:xfrm>
-          <a:prstGeom prst="rect">
-            <a:avLst/>
-          </a:prstGeom>
-        </p:spPr>
-      </p:pic>
-      <p:sp>
-        <p:nvSpPr>
           <p:cNvPr id="2" name="TextBox 1"/>
           <p:cNvSpPr txBox="1"/>
           <p:nvPr/>
@@ -6386,7 +6023,7 @@
 </p:sld>
 </file>
 
-<file path=ppt/slides/slide6.xml><?xml version="1.0" encoding="utf-8"?>
+<file path=ppt/slides/slide5.xml><?xml version="1.0" encoding="utf-8"?>
 <p:sld xmlns:a="http://schemas.openxmlformats.org/drawingml/2006/main" xmlns:r="http://schemas.openxmlformats.org/officeDocument/2006/relationships" xmlns:p="http://schemas.openxmlformats.org/presentationml/2006/main">
   <p:cSld>
     <p:spTree>
@@ -6510,7 +6147,7 @@
 </p:sld>
 </file>
 
-<file path=ppt/slides/slide7.xml><?xml version="1.0" encoding="utf-8"?>
+<file path=ppt/slides/slide6.xml><?xml version="1.0" encoding="utf-8"?>
 <p:sld xmlns:a="http://schemas.openxmlformats.org/drawingml/2006/main" xmlns:r="http://schemas.openxmlformats.org/officeDocument/2006/relationships" xmlns:p="http://schemas.openxmlformats.org/presentationml/2006/main">
   <p:cSld>
     <p:spTree>
@@ -6605,6 +6242,98 @@
 </p:sld>
 </file>
 
+<file path=ppt/slides/slide7.xml><?xml version="1.0" encoding="utf-8"?>
+<p:sld xmlns:a="http://schemas.openxmlformats.org/drawingml/2006/main" xmlns:r="http://schemas.openxmlformats.org/officeDocument/2006/relationships" xmlns:p="http://schemas.openxmlformats.org/presentationml/2006/main">
+  <p:cSld>
+    <p:spTree>
+      <p:nvGrpSpPr>
+        <p:cNvPr id="1" name=""/>
+        <p:cNvGrpSpPr/>
+        <p:nvPr/>
+      </p:nvGrpSpPr>
+      <p:grpSpPr>
+        <a:xfrm>
+          <a:off x="0" y="0"/>
+          <a:ext cx="0" cy="0"/>
+          <a:chOff x="0" y="0"/>
+          <a:chExt cx="0" cy="0"/>
+        </a:xfrm>
+      </p:grpSpPr>
+      <p:sp>
+        <p:nvSpPr>
+          <p:cNvPr id="2" name="Title 1"/>
+          <p:cNvSpPr>
+            <a:spLocks noGrp="1"/>
+          </p:cNvSpPr>
+          <p:nvPr>
+            <p:ph type="title"/>
+          </p:nvPr>
+        </p:nvSpPr>
+        <p:spPr/>
+        <p:txBody>
+          <a:bodyPr/>
+          <a:lstStyle/>
+          <a:p>
+            <a:r>
+              <a:rPr lang="en-US" dirty="0" smtClean="0"/>
+              <a:t>High Correlation in 3 Predictors</a:t>
+            </a:r>
+            <a:endParaRPr lang="en-US" dirty="0"/>
+          </a:p>
+        </p:txBody>
+      </p:sp>
+      <p:pic>
+        <p:nvPicPr>
+          <p:cNvPr id="7" name="Picture 6" descr="Screen Shot 2020-05-12 at 11.55.38 AM.png"/>
+          <p:cNvPicPr>
+            <a:picLocks noChangeAspect="1"/>
+          </p:cNvPicPr>
+          <p:nvPr/>
+        </p:nvPicPr>
+        <p:blipFill rotWithShape="1">
+          <a:blip r:embed="rId2">
+            <a:extLst>
+              <a:ext uri="{28A0092B-C50C-407E-A947-70E740481C1C}">
+                <a14:useLocalDpi xmlns:a14="http://schemas.microsoft.com/office/drawing/2010/main" val="0"/>
+              </a:ext>
+            </a:extLst>
+          </a:blip>
+          <a:srcRect t="41860" b="12403"/>
+          <a:stretch/>
+        </p:blipFill>
+        <p:spPr>
+          <a:xfrm>
+            <a:off x="914400" y="2618154"/>
+            <a:ext cx="7825929" cy="1498600"/>
+          </a:xfrm>
+          <a:prstGeom prst="rect">
+            <a:avLst/>
+          </a:prstGeom>
+        </p:spPr>
+      </p:pic>
+    </p:spTree>
+    <p:extLst>
+      <p:ext uri="{BB962C8B-B14F-4D97-AF65-F5344CB8AC3E}">
+        <p14:creationId xmlns:p14="http://schemas.microsoft.com/office/powerpoint/2010/main" val="436121352"/>
+      </p:ext>
+    </p:extLst>
+  </p:cSld>
+  <p:clrMapOvr>
+    <a:masterClrMapping/>
+  </p:clrMapOvr>
+  <p:transition xmlns:p14="http://schemas.microsoft.com/office/powerpoint/2010/main" spd="slow">
+    <p:wipe dir="d"/>
+  </p:transition>
+  <p:timing>
+    <p:tnLst>
+      <p:par>
+        <p:cTn xmlns:p14="http://schemas.microsoft.com/office/powerpoint/2010/main" id="1" dur="indefinite" restart="never" nodeType="tmRoot"/>
+      </p:par>
+    </p:tnLst>
+  </p:timing>
+</p:sld>
+</file>
+
 <file path=ppt/slides/slide8.xml><?xml version="1.0" encoding="utf-8"?>
 <p:sld xmlns:a="http://schemas.openxmlformats.org/drawingml/2006/main" xmlns:r="http://schemas.openxmlformats.org/officeDocument/2006/relationships" xmlns:p="http://schemas.openxmlformats.org/presentationml/2006/main">
   <p:cSld>
@@ -6624,63 +6353,101 @@
       </p:grpSpPr>
       <p:sp>
         <p:nvSpPr>
-          <p:cNvPr id="2" name="Title 1"/>
-          <p:cNvSpPr>
-            <a:spLocks noGrp="1"/>
-          </p:cNvSpPr>
-          <p:nvPr>
-            <p:ph type="title"/>
-          </p:nvPr>
-        </p:nvSpPr>
-        <p:spPr/>
-        <p:txBody>
-          <a:bodyPr/>
-          <a:lstStyle/>
-          <a:p>
-            <a:r>
-              <a:rPr lang="en-US" dirty="0" smtClean="0"/>
-              <a:t>High Correlation in 3 Predictors</a:t>
-            </a:r>
-            <a:endParaRPr lang="en-US" dirty="0"/>
-          </a:p>
-        </p:txBody>
-      </p:sp>
-      <p:pic>
-        <p:nvPicPr>
-          <p:cNvPr id="7" name="Picture 6" descr="Screen Shot 2020-05-12 at 11.55.38 AM.png"/>
-          <p:cNvPicPr>
-            <a:picLocks noChangeAspect="1"/>
-          </p:cNvPicPr>
+          <p:cNvPr id="6" name="TextBox 5"/>
+          <p:cNvSpPr txBox="1"/>
           <p:nvPr/>
-        </p:nvPicPr>
-        <p:blipFill>
-          <a:blip r:embed="rId2">
-            <a:extLst>
-              <a:ext uri="{28A0092B-C50C-407E-A947-70E740481C1C}">
-                <a14:useLocalDpi xmlns:a14="http://schemas.microsoft.com/office/drawing/2010/main" val="0"/>
-              </a:ext>
-            </a:extLst>
-          </a:blip>
-          <a:stretch>
-            <a:fillRect/>
-          </a:stretch>
-        </p:blipFill>
+        </p:nvSpPr>
         <p:spPr>
           <a:xfrm>
-            <a:off x="990600" y="2209800"/>
-            <a:ext cx="7825929" cy="3276600"/>
+            <a:off x="2743200" y="762000"/>
+            <a:ext cx="4267200" cy="707886"/>
           </a:xfrm>
           <a:prstGeom prst="rect">
             <a:avLst/>
           </a:prstGeom>
+          <a:noFill/>
         </p:spPr>
-      </p:pic>
+        <p:txBody>
+          <a:bodyPr wrap="square" rtlCol="0">
+            <a:spAutoFit/>
+          </a:bodyPr>
+          <a:lstStyle/>
+          <a:p>
+            <a:r>
+              <a:rPr lang="en-US" sz="4000" dirty="0" smtClean="0"/>
+              <a:t>Recommendations</a:t>
+            </a:r>
+            <a:endParaRPr lang="en-US" sz="4000" dirty="0"/>
+          </a:p>
+        </p:txBody>
+      </p:sp>
+      <p:sp>
+        <p:nvSpPr>
+          <p:cNvPr id="7" name="TextBox 6"/>
+          <p:cNvSpPr txBox="1"/>
+          <p:nvPr/>
+        </p:nvSpPr>
+        <p:spPr>
+          <a:xfrm>
+            <a:off x="1447800" y="2133600"/>
+            <a:ext cx="6477000" cy="3447098"/>
+          </a:xfrm>
+          <a:prstGeom prst="rect">
+            <a:avLst/>
+          </a:prstGeom>
+          <a:noFill/>
+        </p:spPr>
+        <p:txBody>
+          <a:bodyPr wrap="square" rtlCol="0">
+            <a:spAutoFit/>
+          </a:bodyPr>
+          <a:lstStyle/>
+          <a:p>
+            <a:pPr marL="742950" indent="-742950">
+              <a:buFont typeface="+mj-lt"/>
+              <a:buAutoNum type="arabicPeriod"/>
+            </a:pPr>
+            <a:r>
+              <a:rPr lang="en-US" sz="4000" dirty="0" smtClean="0"/>
+              <a:t>Invest a high amount in ads.</a:t>
+            </a:r>
+          </a:p>
+          <a:p>
+            <a:pPr marL="742950" indent="-742950">
+              <a:buFont typeface="+mj-lt"/>
+              <a:buAutoNum type="arabicPeriod"/>
+            </a:pPr>
+            <a:r>
+              <a:rPr lang="en-US" sz="4000" dirty="0" smtClean="0"/>
+              <a:t>Replicate ad number 936</a:t>
+            </a:r>
+          </a:p>
+          <a:p>
+            <a:pPr marL="742950" indent="-742950">
+              <a:buFont typeface="+mj-lt"/>
+              <a:buAutoNum type="arabicPeriod"/>
+            </a:pPr>
+            <a:r>
+              <a:rPr lang="en-US" sz="4000" dirty="0" smtClean="0"/>
+              <a:t>Focus on Interest 113</a:t>
+            </a:r>
+          </a:p>
+          <a:p>
+            <a:pPr marL="742950" indent="-742950">
+              <a:buFont typeface="+mj-lt"/>
+              <a:buAutoNum type="arabicPeriod"/>
+            </a:pPr>
+            <a:endParaRPr lang="en-US" sz="4000" dirty="0" smtClean="0"/>
+          </a:p>
+          <a:p>
+            <a:endParaRPr lang="en-US" dirty="0"/>
+          </a:p>
+        </p:txBody>
+      </p:sp>
     </p:spTree>
-    <p:extLst>
-      <p:ext uri="{BB962C8B-B14F-4D97-AF65-F5344CB8AC3E}">
-        <p14:creationId xmlns:p14="http://schemas.microsoft.com/office/powerpoint/2010/main" val="436121352"/>
-      </p:ext>
-    </p:extLst>
+    <p:custDataLst>
+      <p:tags r:id="rId1"/>
+    </p:custDataLst>
   </p:cSld>
   <p:clrMapOvr>
     <a:masterClrMapping/>
@@ -6724,7 +6491,7 @@
         <p:spPr>
           <a:xfrm>
             <a:off x="2743200" y="762000"/>
-            <a:ext cx="4267200" cy="707886"/>
+            <a:ext cx="3767015" cy="707886"/>
           </a:xfrm>
           <a:prstGeom prst="rect">
             <a:avLst/>
@@ -6739,7 +6506,7 @@
           <a:p>
             <a:r>
               <a:rPr lang="en-US" sz="4000" dirty="0" smtClean="0"/>
-              <a:t>Recommendations</a:t>
+              <a:t>Future Work</a:t>
             </a:r>
             <a:endParaRPr lang="en-US" sz="4000" dirty="0"/>
           </a:p>
@@ -6754,7 +6521,7 @@
         <p:spPr>
           <a:xfrm>
             <a:off x="1447800" y="2133600"/>
-            <a:ext cx="6477000" cy="3447098"/>
+            <a:ext cx="6477000" cy="4062651"/>
           </a:xfrm>
           <a:prstGeom prst="rect">
             <a:avLst/>
@@ -6773,7 +6540,7 @@
             </a:pPr>
             <a:r>
               <a:rPr lang="en-US" sz="4000" dirty="0" smtClean="0"/>
-              <a:t>Invest a high amount in ads.</a:t>
+              <a:t>Work with larger data sets.</a:t>
             </a:r>
           </a:p>
           <a:p>
@@ -6783,7 +6550,7 @@
             </a:pPr>
             <a:r>
               <a:rPr lang="en-US" sz="4000" dirty="0" smtClean="0"/>
-              <a:t>Replicate ad number 936</a:t>
+              <a:t>Look at trends across seasonal time periods.</a:t>
             </a:r>
           </a:p>
           <a:p>
@@ -6793,7 +6560,7 @@
             </a:pPr>
             <a:r>
               <a:rPr lang="en-US" sz="4000" dirty="0" smtClean="0"/>
-              <a:t>Focus on Interest 113</a:t>
+              <a:t>Translate Interest Codes</a:t>
             </a:r>
           </a:p>
           <a:p>
@@ -6812,6 +6579,11 @@
     <p:custDataLst>
       <p:tags r:id="rId1"/>
     </p:custDataLst>
+    <p:extLst>
+      <p:ext uri="{BB962C8B-B14F-4D97-AF65-F5344CB8AC3E}">
+        <p14:creationId xmlns:p14="http://schemas.microsoft.com/office/powerpoint/2010/main" val="2038665253"/>
+      </p:ext>
+    </p:extLst>
   </p:cSld>
   <p:clrMapOvr>
     <a:masterClrMapping/>
